--- a/Patron/Mapeo OO-Relacional.pptx
+++ b/Patron/Mapeo OO-Relacional.pptx
@@ -9157,8 +9157,8 @@
         </p:blipFill>
         <p:spPr>
           <a:xfrm>
-            <a:off x="4501125" y="1002050"/>
-            <a:ext cx="4010754" cy="3836750"/>
+            <a:off x="4572000" y="1106150"/>
+            <a:ext cx="3815388" cy="3732650"/>
           </a:xfrm>
           <a:prstGeom prst="rect">
             <a:avLst/>

--- a/Patron/Mapeo OO-Relacional.pptx
+++ b/Patron/Mapeo OO-Relacional.pptx
@@ -817,7 +817,7 @@
   <p:cSld>
     <p:spTree>
       <p:nvGrpSpPr>
-        <p:cNvPr id="128" name="Shape 128"/>
+        <p:cNvPr id="127" name="Shape 127"/>
         <p:cNvGrpSpPr/>
         <p:nvPr/>
       </p:nvGrpSpPr>
@@ -831,7 +831,7 @@
       </p:grpSpPr>
       <p:sp>
         <p:nvSpPr>
-          <p:cNvPr id="129" name="Google Shape;129;g14a9689aa3d_0_11:notes"/>
+          <p:cNvPr id="128" name="Google Shape;128;g14a9689aa3d_0_11:notes"/>
           <p:cNvSpPr/>
           <p:nvPr>
             <p:ph idx="2" type="sldImg"/>
@@ -866,7 +866,7 @@
       </p:sp>
       <p:sp>
         <p:nvSpPr>
-          <p:cNvPr id="130" name="Google Shape;130;g14a9689aa3d_0_11:notes"/>
+          <p:cNvPr id="129" name="Google Shape;129;g14a9689aa3d_0_11:notes"/>
           <p:cNvSpPr txBox="1"/>
           <p:nvPr>
             <p:ph idx="1" type="body"/>
@@ -916,7 +916,7 @@
   <p:cSld>
     <p:spTree>
       <p:nvGrpSpPr>
-        <p:cNvPr id="134" name="Shape 134"/>
+        <p:cNvPr id="133" name="Shape 133"/>
         <p:cNvGrpSpPr/>
         <p:nvPr/>
       </p:nvGrpSpPr>
@@ -930,7 +930,7 @@
       </p:grpSpPr>
       <p:sp>
         <p:nvSpPr>
-          <p:cNvPr id="135" name="Google Shape;135;g14a81486fc3_0_647:notes"/>
+          <p:cNvPr id="134" name="Google Shape;134;g14a81486fc3_0_647:notes"/>
           <p:cNvSpPr/>
           <p:nvPr>
             <p:ph idx="2" type="sldImg"/>
@@ -965,7 +965,7 @@
       </p:sp>
       <p:sp>
         <p:nvSpPr>
-          <p:cNvPr id="136" name="Google Shape;136;g14a81486fc3_0_647:notes"/>
+          <p:cNvPr id="135" name="Google Shape;135;g14a81486fc3_0_647:notes"/>
           <p:cNvSpPr txBox="1"/>
           <p:nvPr>
             <p:ph idx="1" type="body"/>
@@ -1015,7 +1015,7 @@
   <p:cSld>
     <p:spTree>
       <p:nvGrpSpPr>
-        <p:cNvPr id="141" name="Shape 141"/>
+        <p:cNvPr id="140" name="Shape 140"/>
         <p:cNvGrpSpPr/>
         <p:nvPr/>
       </p:nvGrpSpPr>
@@ -1029,7 +1029,7 @@
       </p:grpSpPr>
       <p:sp>
         <p:nvSpPr>
-          <p:cNvPr id="142" name="Google Shape;142;g14a9689aa3d_0_29:notes"/>
+          <p:cNvPr id="141" name="Google Shape;141;g14a9689aa3d_0_29:notes"/>
           <p:cNvSpPr/>
           <p:nvPr>
             <p:ph idx="2" type="sldImg"/>
@@ -1064,7 +1064,7 @@
       </p:sp>
       <p:sp>
         <p:nvSpPr>
-          <p:cNvPr id="143" name="Google Shape;143;g14a9689aa3d_0_29:notes"/>
+          <p:cNvPr id="142" name="Google Shape;142;g14a9689aa3d_0_29:notes"/>
           <p:cNvSpPr txBox="1"/>
           <p:nvPr>
             <p:ph idx="1" type="body"/>
@@ -1510,7 +1510,7 @@
   <p:cSld>
     <p:spTree>
       <p:nvGrpSpPr>
-        <p:cNvPr id="99" name="Shape 99"/>
+        <p:cNvPr id="98" name="Shape 98"/>
         <p:cNvGrpSpPr/>
         <p:nvPr/>
       </p:nvGrpSpPr>
@@ -1524,7 +1524,7 @@
       </p:grpSpPr>
       <p:sp>
         <p:nvSpPr>
-          <p:cNvPr id="100" name="Google Shape;100;g14a9689aa3d_0_34:notes"/>
+          <p:cNvPr id="99" name="Google Shape;99;g14a9689aa3d_0_34:notes"/>
           <p:cNvSpPr/>
           <p:nvPr>
             <p:ph idx="2" type="sldImg"/>
@@ -1559,7 +1559,7 @@
       </p:sp>
       <p:sp>
         <p:nvSpPr>
-          <p:cNvPr id="101" name="Google Shape;101;g14a9689aa3d_0_34:notes"/>
+          <p:cNvPr id="100" name="Google Shape;100;g14a9689aa3d_0_34:notes"/>
           <p:cNvSpPr txBox="1"/>
           <p:nvPr>
             <p:ph idx="1" type="body"/>
@@ -1609,7 +1609,7 @@
   <p:cSld>
     <p:spTree>
       <p:nvGrpSpPr>
-        <p:cNvPr id="107" name="Shape 107"/>
+        <p:cNvPr id="106" name="Shape 106"/>
         <p:cNvGrpSpPr/>
         <p:nvPr/>
       </p:nvGrpSpPr>
@@ -1623,7 +1623,7 @@
       </p:grpSpPr>
       <p:sp>
         <p:nvSpPr>
-          <p:cNvPr id="108" name="Google Shape;108;g14a9689aa3d_0_6:notes"/>
+          <p:cNvPr id="107" name="Google Shape;107;g14a9689aa3d_0_6:notes"/>
           <p:cNvSpPr/>
           <p:nvPr>
             <p:ph idx="2" type="sldImg"/>
@@ -1658,7 +1658,7 @@
       </p:sp>
       <p:sp>
         <p:nvSpPr>
-          <p:cNvPr id="109" name="Google Shape;109;g14a9689aa3d_0_6:notes"/>
+          <p:cNvPr id="108" name="Google Shape;108;g14a9689aa3d_0_6:notes"/>
           <p:cNvSpPr txBox="1"/>
           <p:nvPr>
             <p:ph idx="1" type="body"/>
@@ -1708,7 +1708,7 @@
   <p:cSld>
     <p:spTree>
       <p:nvGrpSpPr>
-        <p:cNvPr id="113" name="Shape 113"/>
+        <p:cNvPr id="112" name="Shape 112"/>
         <p:cNvGrpSpPr/>
         <p:nvPr/>
       </p:nvGrpSpPr>
@@ -1722,7 +1722,7 @@
       </p:grpSpPr>
       <p:sp>
         <p:nvSpPr>
-          <p:cNvPr id="114" name="Google Shape;114;g14a81486fc3_0_630:notes"/>
+          <p:cNvPr id="113" name="Google Shape;113;g14a81486fc3_0_630:notes"/>
           <p:cNvSpPr/>
           <p:nvPr>
             <p:ph idx="2" type="sldImg"/>
@@ -1757,7 +1757,7 @@
       </p:sp>
       <p:sp>
         <p:nvSpPr>
-          <p:cNvPr id="115" name="Google Shape;115;g14a81486fc3_0_630:notes"/>
+          <p:cNvPr id="114" name="Google Shape;114;g14a81486fc3_0_630:notes"/>
           <p:cNvSpPr txBox="1"/>
           <p:nvPr>
             <p:ph idx="1" type="body"/>
@@ -1807,7 +1807,7 @@
   <p:cSld>
     <p:spTree>
       <p:nvGrpSpPr>
-        <p:cNvPr id="120" name="Shape 120"/>
+        <p:cNvPr id="119" name="Shape 119"/>
         <p:cNvGrpSpPr/>
         <p:nvPr/>
       </p:nvGrpSpPr>
@@ -1821,7 +1821,7 @@
       </p:grpSpPr>
       <p:sp>
         <p:nvSpPr>
-          <p:cNvPr id="121" name="Google Shape;121;g14a9689aa3d_0_22:notes"/>
+          <p:cNvPr id="120" name="Google Shape;120;g14a9689aa3d_0_22:notes"/>
           <p:cNvSpPr/>
           <p:nvPr>
             <p:ph idx="2" type="sldImg"/>
@@ -1856,7 +1856,7 @@
       </p:sp>
       <p:sp>
         <p:nvSpPr>
-          <p:cNvPr id="122" name="Google Shape;122;g14a9689aa3d_0_22:notes"/>
+          <p:cNvPr id="121" name="Google Shape;121;g14a9689aa3d_0_22:notes"/>
           <p:cNvSpPr txBox="1"/>
           <p:nvPr>
             <p:ph idx="1" type="body"/>
@@ -8841,7 +8841,7 @@
   <p:cSld>
     <p:spTree>
       <p:nvGrpSpPr>
-        <p:cNvPr id="131" name="Shape 131"/>
+        <p:cNvPr id="130" name="Shape 130"/>
         <p:cNvGrpSpPr/>
         <p:nvPr/>
       </p:nvGrpSpPr>
@@ -8855,7 +8855,7 @@
       </p:grpSpPr>
       <p:sp>
         <p:nvSpPr>
-          <p:cNvPr id="132" name="Google Shape;132;p23"/>
+          <p:cNvPr id="131" name="Google Shape;131;p23"/>
           <p:cNvSpPr txBox="1"/>
           <p:nvPr>
             <p:ph type="title"/>
@@ -8931,7 +8931,7 @@
       </p:sp>
       <p:sp>
         <p:nvSpPr>
-          <p:cNvPr id="133" name="Google Shape;133;p23"/>
+          <p:cNvPr id="132" name="Google Shape;132;p23"/>
           <p:cNvSpPr txBox="1"/>
           <p:nvPr>
             <p:ph idx="1" type="body"/>
@@ -9042,7 +9042,7 @@
   <p:cSld>
     <p:spTree>
       <p:nvGrpSpPr>
-        <p:cNvPr id="137" name="Shape 137"/>
+        <p:cNvPr id="136" name="Shape 136"/>
         <p:cNvGrpSpPr/>
         <p:nvPr/>
       </p:nvGrpSpPr>
@@ -9056,7 +9056,7 @@
       </p:grpSpPr>
       <p:sp>
         <p:nvSpPr>
-          <p:cNvPr id="138" name="Google Shape;138;p24"/>
+          <p:cNvPr id="137" name="Google Shape;137;p24"/>
           <p:cNvSpPr txBox="1"/>
           <p:nvPr>
             <p:ph type="title"/>
@@ -9115,7 +9115,7 @@
       </p:sp>
       <p:pic>
         <p:nvPicPr>
-          <p:cNvPr id="139" name="Google Shape;139;p24"/>
+          <p:cNvPr id="138" name="Google Shape;138;p24"/>
           <p:cNvPicPr preferRelativeResize="0"/>
           <p:nvPr/>
         </p:nvPicPr>
@@ -9129,8 +9129,8 @@
         </p:blipFill>
         <p:spPr>
           <a:xfrm>
-            <a:off x="520525" y="1193560"/>
-            <a:ext cx="3369624" cy="3645239"/>
+            <a:off x="4258050" y="1002050"/>
+            <a:ext cx="4060625" cy="3836749"/>
           </a:xfrm>
           <a:prstGeom prst="rect">
             <a:avLst/>
@@ -9143,7 +9143,7 @@
       </p:pic>
       <p:pic>
         <p:nvPicPr>
-          <p:cNvPr id="140" name="Google Shape;140;p24"/>
+          <p:cNvPr id="139" name="Google Shape;139;p24"/>
           <p:cNvPicPr preferRelativeResize="0"/>
           <p:nvPr/>
         </p:nvPicPr>
@@ -9157,8 +9157,8 @@
         </p:blipFill>
         <p:spPr>
           <a:xfrm>
-            <a:off x="4572000" y="1106150"/>
-            <a:ext cx="3815388" cy="3732650"/>
+            <a:off x="446000" y="1002100"/>
+            <a:ext cx="3546562" cy="3836650"/>
           </a:xfrm>
           <a:prstGeom prst="rect">
             <a:avLst/>
@@ -9182,7 +9182,7 @@
   <p:cSld>
     <p:spTree>
       <p:nvGrpSpPr>
-        <p:cNvPr id="144" name="Shape 144"/>
+        <p:cNvPr id="143" name="Shape 143"/>
         <p:cNvGrpSpPr/>
         <p:nvPr/>
       </p:nvGrpSpPr>
@@ -9196,7 +9196,7 @@
       </p:grpSpPr>
       <p:sp>
         <p:nvSpPr>
-          <p:cNvPr id="145" name="Google Shape;145;p25"/>
+          <p:cNvPr id="144" name="Google Shape;144;p25"/>
           <p:cNvSpPr txBox="1"/>
           <p:nvPr>
             <p:ph type="title"/>
@@ -9236,7 +9236,7 @@
       </p:sp>
       <p:sp>
         <p:nvSpPr>
-          <p:cNvPr id="146" name="Google Shape;146;p25"/>
+          <p:cNvPr id="145" name="Google Shape;145;p25"/>
           <p:cNvSpPr txBox="1"/>
           <p:nvPr>
             <p:ph idx="1" type="body"/>
@@ -9329,7 +9329,7 @@
       </p:sp>
       <p:sp>
         <p:nvSpPr>
-          <p:cNvPr id="147" name="Google Shape;147;p25"/>
+          <p:cNvPr id="146" name="Google Shape;146;p25"/>
           <p:cNvSpPr txBox="1"/>
           <p:nvPr>
             <p:ph type="title"/>
@@ -9369,7 +9369,7 @@
       </p:sp>
       <p:sp>
         <p:nvSpPr>
-          <p:cNvPr id="148" name="Google Shape;148;p25"/>
+          <p:cNvPr id="147" name="Google Shape;147;p25"/>
           <p:cNvSpPr txBox="1"/>
           <p:nvPr>
             <p:ph idx="1" type="body"/>
@@ -10270,8 +10270,8 @@
         </p:blipFill>
         <p:spPr>
           <a:xfrm>
-            <a:off x="5625400" y="1691950"/>
-            <a:ext cx="1724025" cy="2559175"/>
+            <a:off x="5655776" y="1519252"/>
+            <a:ext cx="1958900" cy="2391800"/>
           </a:xfrm>
           <a:prstGeom prst="rect">
             <a:avLst/>
@@ -10298,8 +10298,8 @@
         </p:blipFill>
         <p:spPr>
           <a:xfrm>
-            <a:off x="776600" y="1388350"/>
-            <a:ext cx="3189470" cy="3450350"/>
+            <a:off x="883650" y="1168950"/>
+            <a:ext cx="3392275" cy="3669750"/>
           </a:xfrm>
           <a:prstGeom prst="rect">
             <a:avLst/>
@@ -10310,66 +10310,6 @@
           </a:ln>
         </p:spPr>
       </p:pic>
-      <p:sp>
-        <p:nvSpPr>
-          <p:cNvPr id="98" name="Google Shape;98;p18"/>
-          <p:cNvSpPr txBox="1"/>
-          <p:nvPr>
-            <p:ph type="title"/>
-          </p:nvPr>
-        </p:nvSpPr>
-        <p:spPr>
-          <a:xfrm>
-            <a:off x="5731413" y="1846700"/>
-            <a:ext cx="1512000" cy="136200"/>
-          </a:xfrm>
-          <a:prstGeom prst="rect">
-            <a:avLst/>
-          </a:prstGeom>
-          <a:solidFill>
-            <a:schemeClr val="lt1"/>
-          </a:solidFill>
-        </p:spPr>
-        <p:txBody>
-          <a:bodyPr anchorCtr="0" anchor="b" bIns="91425" lIns="91425" spcFirstLastPara="1" rIns="91425" wrap="square" tIns="91425">
-            <a:noAutofit/>
-          </a:bodyPr>
-          <a:lstStyle/>
-          <a:p>
-            <a:pPr indent="0" lvl="0" marL="0" rtl="0" algn="ctr">
-              <a:spcBef>
-                <a:spcPts val="0"/>
-              </a:spcBef>
-              <a:spcAft>
-                <a:spcPts val="0"/>
-              </a:spcAft>
-              <a:buSzPts val="990"/>
-              <a:buNone/>
-            </a:pPr>
-            <a:r>
-              <a:rPr lang="es-419" sz="1160">
-                <a:solidFill>
-                  <a:srgbClr val="000000"/>
-                </a:solidFill>
-                <a:latin typeface="Times New Roman"/>
-                <a:ea typeface="Times New Roman"/>
-                <a:cs typeface="Times New Roman"/>
-                <a:sym typeface="Times New Roman"/>
-              </a:rPr>
-              <a:t>Jugador</a:t>
-            </a:r>
-            <a:endParaRPr sz="100">
-              <a:solidFill>
-                <a:srgbClr val="000000"/>
-              </a:solidFill>
-              <a:latin typeface="Times New Roman"/>
-              <a:ea typeface="Times New Roman"/>
-              <a:cs typeface="Times New Roman"/>
-              <a:sym typeface="Times New Roman"/>
-            </a:endParaRPr>
-          </a:p>
-        </p:txBody>
-      </p:sp>
     </p:spTree>
   </p:cSld>
   <p:clrMapOvr>
@@ -10383,7 +10323,7 @@
   <p:cSld>
     <p:spTree>
       <p:nvGrpSpPr>
-        <p:cNvPr id="102" name="Shape 102"/>
+        <p:cNvPr id="101" name="Shape 101"/>
         <p:cNvGrpSpPr/>
         <p:nvPr/>
       </p:nvGrpSpPr>
@@ -10397,7 +10337,7 @@
       </p:grpSpPr>
       <p:sp>
         <p:nvSpPr>
-          <p:cNvPr id="103" name="Google Shape;103;p19"/>
+          <p:cNvPr id="102" name="Google Shape;102;p19"/>
           <p:cNvSpPr txBox="1"/>
           <p:nvPr>
             <p:ph type="title"/>
@@ -10437,7 +10377,7 @@
       </p:sp>
       <p:sp>
         <p:nvSpPr>
-          <p:cNvPr id="104" name="Google Shape;104;p19"/>
+          <p:cNvPr id="103" name="Google Shape;103;p19"/>
           <p:cNvSpPr txBox="1"/>
           <p:nvPr>
             <p:ph idx="1" type="body"/>
@@ -10598,7 +10538,7 @@
       </p:sp>
       <p:sp>
         <p:nvSpPr>
-          <p:cNvPr id="105" name="Google Shape;105;p19"/>
+          <p:cNvPr id="104" name="Google Shape;104;p19"/>
           <p:cNvSpPr txBox="1"/>
           <p:nvPr>
             <p:ph type="title"/>
@@ -10638,7 +10578,7 @@
       </p:sp>
       <p:sp>
         <p:nvSpPr>
-          <p:cNvPr id="106" name="Google Shape;106;p19"/>
+          <p:cNvPr id="105" name="Google Shape;105;p19"/>
           <p:cNvSpPr txBox="1"/>
           <p:nvPr>
             <p:ph idx="1" type="body"/>
@@ -10780,7 +10720,7 @@
   <p:cSld>
     <p:spTree>
       <p:nvGrpSpPr>
-        <p:cNvPr id="110" name="Shape 110"/>
+        <p:cNvPr id="109" name="Shape 109"/>
         <p:cNvGrpSpPr/>
         <p:nvPr/>
       </p:nvGrpSpPr>
@@ -10794,7 +10734,7 @@
       </p:grpSpPr>
       <p:sp>
         <p:nvSpPr>
-          <p:cNvPr id="111" name="Google Shape;111;p20"/>
+          <p:cNvPr id="110" name="Google Shape;110;p20"/>
           <p:cNvSpPr txBox="1"/>
           <p:nvPr>
             <p:ph type="title"/>
@@ -10868,7 +10808,7 @@
       </p:sp>
       <p:sp>
         <p:nvSpPr>
-          <p:cNvPr id="112" name="Google Shape;112;p20"/>
+          <p:cNvPr id="111" name="Google Shape;111;p20"/>
           <p:cNvSpPr txBox="1"/>
           <p:nvPr>
             <p:ph idx="1" type="body"/>
@@ -10953,7 +10893,7 @@
   <p:cSld>
     <p:spTree>
       <p:nvGrpSpPr>
-        <p:cNvPr id="116" name="Shape 116"/>
+        <p:cNvPr id="115" name="Shape 115"/>
         <p:cNvGrpSpPr/>
         <p:nvPr/>
       </p:nvGrpSpPr>
@@ -10967,7 +10907,7 @@
       </p:grpSpPr>
       <p:sp>
         <p:nvSpPr>
-          <p:cNvPr id="117" name="Google Shape;117;p21"/>
+          <p:cNvPr id="116" name="Google Shape;116;p21"/>
           <p:cNvSpPr txBox="1"/>
           <p:nvPr>
             <p:ph type="title"/>
@@ -11026,7 +10966,7 @@
       </p:sp>
       <p:pic>
         <p:nvPicPr>
-          <p:cNvPr id="118" name="Google Shape;118;p21"/>
+          <p:cNvPr id="117" name="Google Shape;117;p21"/>
           <p:cNvPicPr preferRelativeResize="0"/>
           <p:nvPr/>
         </p:nvPicPr>
@@ -11040,8 +10980,8 @@
         </p:blipFill>
         <p:spPr>
           <a:xfrm>
-            <a:off x="776600" y="1388350"/>
-            <a:ext cx="3189470" cy="3450350"/>
+            <a:off x="4572000" y="1029125"/>
+            <a:ext cx="3877873" cy="3809575"/>
           </a:xfrm>
           <a:prstGeom prst="rect">
             <a:avLst/>
@@ -11054,7 +10994,7 @@
       </p:pic>
       <p:pic>
         <p:nvPicPr>
-          <p:cNvPr id="119" name="Google Shape;119;p21"/>
+          <p:cNvPr id="118" name="Google Shape;118;p21"/>
           <p:cNvPicPr preferRelativeResize="0"/>
           <p:nvPr/>
         </p:nvPicPr>
@@ -11068,8 +11008,8 @@
         </p:blipFill>
         <p:spPr>
           <a:xfrm>
-            <a:off x="4572000" y="1529425"/>
-            <a:ext cx="3790866" cy="3309275"/>
+            <a:off x="511825" y="1029125"/>
+            <a:ext cx="3521534" cy="3809575"/>
           </a:xfrm>
           <a:prstGeom prst="rect">
             <a:avLst/>
@@ -11093,7 +11033,7 @@
   <p:cSld>
     <p:spTree>
       <p:nvGrpSpPr>
-        <p:cNvPr id="123" name="Shape 123"/>
+        <p:cNvPr id="122" name="Shape 122"/>
         <p:cNvGrpSpPr/>
         <p:nvPr/>
       </p:nvGrpSpPr>
@@ -11107,7 +11047,7 @@
       </p:grpSpPr>
       <p:sp>
         <p:nvSpPr>
-          <p:cNvPr id="124" name="Google Shape;124;p22"/>
+          <p:cNvPr id="123" name="Google Shape;123;p22"/>
           <p:cNvSpPr txBox="1"/>
           <p:nvPr>
             <p:ph type="title"/>
@@ -11147,7 +11087,7 @@
       </p:sp>
       <p:sp>
         <p:nvSpPr>
-          <p:cNvPr id="125" name="Google Shape;125;p22"/>
+          <p:cNvPr id="124" name="Google Shape;124;p22"/>
           <p:cNvSpPr txBox="1"/>
           <p:nvPr>
             <p:ph idx="1" type="body"/>
@@ -11278,7 +11218,7 @@
       </p:sp>
       <p:sp>
         <p:nvSpPr>
-          <p:cNvPr id="126" name="Google Shape;126;p22"/>
+          <p:cNvPr id="125" name="Google Shape;125;p22"/>
           <p:cNvSpPr txBox="1"/>
           <p:nvPr>
             <p:ph type="title"/>
@@ -11318,7 +11258,7 @@
       </p:sp>
       <p:sp>
         <p:nvSpPr>
-          <p:cNvPr id="127" name="Google Shape;127;p22"/>
+          <p:cNvPr id="126" name="Google Shape;126;p22"/>
           <p:cNvSpPr txBox="1"/>
           <p:nvPr>
             <p:ph idx="1" type="body"/>
@@ -11478,6 +11418,285 @@
 </file>
 
 <file path=ppt/theme/theme1.xml><?xml version="1.0" encoding="utf-8"?>
+<a:theme xmlns:a="http://schemas.openxmlformats.org/drawingml/2006/main" xmlns:r="http://schemas.openxmlformats.org/officeDocument/2006/relationships">
+  <a:themeElements>
+    <a:clrScheme name="Default">
+      <a:dk1>
+        <a:srgbClr val="000000"/>
+      </a:dk1>
+      <a:lt1>
+        <a:srgbClr val="FFFFFF"/>
+      </a:lt1>
+      <a:dk2>
+        <a:srgbClr val="158158"/>
+      </a:dk2>
+      <a:lt2>
+        <a:srgbClr val="F3F3F3"/>
+      </a:lt2>
+      <a:accent1>
+        <a:srgbClr val="058DC7"/>
+      </a:accent1>
+      <a:accent2>
+        <a:srgbClr val="50B432"/>
+      </a:accent2>
+      <a:accent3>
+        <a:srgbClr val="ED561B"/>
+      </a:accent3>
+      <a:accent4>
+        <a:srgbClr val="EDEF00"/>
+      </a:accent4>
+      <a:accent5>
+        <a:srgbClr val="24CBE5"/>
+      </a:accent5>
+      <a:accent6>
+        <a:srgbClr val="64E572"/>
+      </a:accent6>
+      <a:hlink>
+        <a:srgbClr val="2200CC"/>
+      </a:hlink>
+      <a:folHlink>
+        <a:srgbClr val="551A8B"/>
+      </a:folHlink>
+    </a:clrScheme>
+    <a:fontScheme name="Office">
+      <a:majorFont>
+        <a:latin typeface="Arial"/>
+        <a:ea typeface=""/>
+        <a:cs typeface=""/>
+        <a:font script="Jpan" typeface="ＭＳ Ｐゴシック"/>
+        <a:font script="Hang" typeface="맑은 고딕"/>
+        <a:font script="Hans" typeface="宋体"/>
+        <a:font script="Hant" typeface="新細明體"/>
+        <a:font script="Arab" typeface="Times New Roman"/>
+        <a:font script="Hebr" typeface="Times New Roman"/>
+        <a:font script="Thai" typeface="Angsana New"/>
+        <a:font script="Ethi" typeface="Nyala"/>
+        <a:font script="Beng" typeface="Vrinda"/>
+        <a:font script="Gujr" typeface="Shruti"/>
+        <a:font script="Khmr" typeface="MoolBoran"/>
+        <a:font script="Knda" typeface="Tunga"/>
+        <a:font script="Guru" typeface="Raavi"/>
+        <a:font script="Cans" typeface="Euphemia"/>
+        <a:font script="Cher" typeface="Plantagenet Cherokee"/>
+        <a:font script="Yiii" typeface="Microsoft Yi Baiti"/>
+        <a:font script="Tibt" typeface="Microsoft Himalaya"/>
+        <a:font script="Thaa" typeface="MV Boli"/>
+        <a:font script="Deva" typeface="Mangal"/>
+        <a:font script="Telu" typeface="Gautami"/>
+        <a:font script="Taml" typeface="Latha"/>
+        <a:font script="Syrc" typeface="Estrangelo Edessa"/>
+        <a:font script="Orya" typeface="Kalinga"/>
+        <a:font script="Mlym" typeface="Kartika"/>
+        <a:font script="Laoo" typeface="DokChampa"/>
+        <a:font script="Sinh" typeface="Iskoola Pota"/>
+        <a:font script="Mong" typeface="Mongolian Baiti"/>
+        <a:font script="Viet" typeface="Times New Roman"/>
+        <a:font script="Uigh" typeface="Microsoft Uighur"/>
+        <a:font script="Geor" typeface="Sylfaen"/>
+      </a:majorFont>
+      <a:minorFont>
+        <a:latin typeface="Arial"/>
+        <a:ea typeface=""/>
+        <a:cs typeface=""/>
+        <a:font script="Jpan" typeface="ＭＳ Ｐゴシック"/>
+        <a:font script="Hang" typeface="맑은 고딕"/>
+        <a:font script="Hans" typeface="宋体"/>
+        <a:font script="Hant" typeface="新細明體"/>
+        <a:font script="Arab" typeface="Arial"/>
+        <a:font script="Hebr" typeface="Arial"/>
+        <a:font script="Thai" typeface="Cordia New"/>
+        <a:font script="Ethi" typeface="Nyala"/>
+        <a:font script="Beng" typeface="Vrinda"/>
+        <a:font script="Gujr" typeface="Shruti"/>
+        <a:font script="Khmr" typeface="DaunPenh"/>
+        <a:font script="Knda" typeface="Tunga"/>
+        <a:font script="Guru" typeface="Raavi"/>
+        <a:font script="Cans" typeface="Euphemia"/>
+        <a:font script="Cher" typeface="Plantagenet Cherokee"/>
+        <a:font script="Yiii" typeface="Microsoft Yi Baiti"/>
+        <a:font script="Tibt" typeface="Microsoft Himalaya"/>
+        <a:font script="Thaa" typeface="MV Boli"/>
+        <a:font script="Deva" typeface="Mangal"/>
+        <a:font script="Telu" typeface="Gautami"/>
+        <a:font script="Taml" typeface="Latha"/>
+        <a:font script="Syrc" typeface="Estrangelo Edessa"/>
+        <a:font script="Orya" typeface="Kalinga"/>
+        <a:font script="Mlym" typeface="Kartika"/>
+        <a:font script="Laoo" typeface="DokChampa"/>
+        <a:font script="Sinh" typeface="Iskoola Pota"/>
+        <a:font script="Mong" typeface="Mongolian Baiti"/>
+        <a:font script="Viet" typeface="Arial"/>
+        <a:font script="Uigh" typeface="Microsoft Uighur"/>
+        <a:font script="Geor" typeface="Sylfaen"/>
+      </a:minorFont>
+    </a:fontScheme>
+    <a:fmtScheme name="Office">
+      <a:fillStyleLst>
+        <a:solidFill>
+          <a:schemeClr val="phClr"/>
+        </a:solidFill>
+        <a:gradFill rotWithShape="1">
+          <a:gsLst>
+            <a:gs pos="0">
+              <a:schemeClr val="phClr">
+                <a:tint val="50000"/>
+                <a:satMod val="300000"/>
+              </a:schemeClr>
+            </a:gs>
+            <a:gs pos="35000">
+              <a:schemeClr val="phClr">
+                <a:tint val="37000"/>
+                <a:satMod val="300000"/>
+              </a:schemeClr>
+            </a:gs>
+            <a:gs pos="100000">
+              <a:schemeClr val="phClr">
+                <a:tint val="15000"/>
+                <a:satMod val="350000"/>
+              </a:schemeClr>
+            </a:gs>
+          </a:gsLst>
+          <a:lin ang="16200000" scaled="1"/>
+        </a:gradFill>
+        <a:gradFill rotWithShape="1">
+          <a:gsLst>
+            <a:gs pos="0">
+              <a:schemeClr val="phClr">
+                <a:tint val="100000"/>
+                <a:shade val="100000"/>
+                <a:satMod val="130000"/>
+              </a:schemeClr>
+            </a:gs>
+            <a:gs pos="100000">
+              <a:schemeClr val="phClr">
+                <a:tint val="50000"/>
+                <a:shade val="100000"/>
+                <a:satMod val="350000"/>
+              </a:schemeClr>
+            </a:gs>
+          </a:gsLst>
+          <a:lin ang="16200000" scaled="0"/>
+        </a:gradFill>
+      </a:fillStyleLst>
+      <a:lnStyleLst>
+        <a:ln w="9525" cap="flat" cmpd="sng" algn="ctr">
+          <a:solidFill>
+            <a:schemeClr val="phClr">
+              <a:shade val="95000"/>
+              <a:satMod val="105000"/>
+            </a:schemeClr>
+          </a:solidFill>
+          <a:prstDash val="solid"/>
+        </a:ln>
+        <a:ln w="25400" cap="flat" cmpd="sng" algn="ctr">
+          <a:solidFill>
+            <a:schemeClr val="phClr"/>
+          </a:solidFill>
+          <a:prstDash val="solid"/>
+        </a:ln>
+        <a:ln w="38100" cap="flat" cmpd="sng" algn="ctr">
+          <a:solidFill>
+            <a:schemeClr val="phClr"/>
+          </a:solidFill>
+          <a:prstDash val="solid"/>
+        </a:ln>
+      </a:lnStyleLst>
+      <a:effectStyleLst>
+        <a:effectStyle>
+          <a:effectLst>
+            <a:outerShdw blurRad="40000" dist="20000" dir="5400000" rotWithShape="0">
+              <a:srgbClr val="000000">
+                <a:alpha val="38000"/>
+              </a:srgbClr>
+            </a:outerShdw>
+          </a:effectLst>
+        </a:effectStyle>
+        <a:effectStyle>
+          <a:effectLst>
+            <a:outerShdw blurRad="40000" dist="23000" dir="5400000" rotWithShape="0">
+              <a:srgbClr val="000000">
+                <a:alpha val="35000"/>
+              </a:srgbClr>
+            </a:outerShdw>
+          </a:effectLst>
+        </a:effectStyle>
+        <a:effectStyle>
+          <a:effectLst>
+            <a:outerShdw blurRad="40000" dist="23000" dir="5400000" rotWithShape="0">
+              <a:srgbClr val="000000">
+                <a:alpha val="35000"/>
+              </a:srgbClr>
+            </a:outerShdw>
+          </a:effectLst>
+          <a:scene3d>
+            <a:camera prst="orthographicFront">
+              <a:rot lat="0" lon="0" rev="0"/>
+            </a:camera>
+            <a:lightRig rig="threePt" dir="t">
+              <a:rot lat="0" lon="0" rev="1200000"/>
+            </a:lightRig>
+          </a:scene3d>
+          <a:sp3d>
+            <a:bevelT w="63500" h="25400"/>
+          </a:sp3d>
+        </a:effectStyle>
+      </a:effectStyleLst>
+      <a:bgFillStyleLst>
+        <a:solidFill>
+          <a:schemeClr val="phClr"/>
+        </a:solidFill>
+        <a:gradFill rotWithShape="1">
+          <a:gsLst>
+            <a:gs pos="0">
+              <a:schemeClr val="phClr">
+                <a:tint val="40000"/>
+                <a:satMod val="350000"/>
+              </a:schemeClr>
+            </a:gs>
+            <a:gs pos="40000">
+              <a:schemeClr val="phClr">
+                <a:tint val="45000"/>
+                <a:shade val="99000"/>
+                <a:satMod val="350000"/>
+              </a:schemeClr>
+            </a:gs>
+            <a:gs pos="100000">
+              <a:schemeClr val="phClr">
+                <a:shade val="20000"/>
+                <a:satMod val="255000"/>
+              </a:schemeClr>
+            </a:gs>
+          </a:gsLst>
+          <a:path path="circle">
+            <a:fillToRect l="50000" t="-80000" r="50000" b="180000"/>
+          </a:path>
+        </a:gradFill>
+        <a:gradFill rotWithShape="1">
+          <a:gsLst>
+            <a:gs pos="0">
+              <a:schemeClr val="phClr">
+                <a:tint val="80000"/>
+                <a:satMod val="300000"/>
+              </a:schemeClr>
+            </a:gs>
+            <a:gs pos="100000">
+              <a:schemeClr val="phClr">
+                <a:shade val="30000"/>
+                <a:satMod val="200000"/>
+              </a:schemeClr>
+            </a:gs>
+          </a:gsLst>
+          <a:path path="circle">
+            <a:fillToRect l="50000" t="50000" r="50000" b="50000"/>
+          </a:path>
+        </a:gradFill>
+      </a:bgFillStyleLst>
+    </a:fmtScheme>
+  </a:themeElements>
+</a:theme>
+</file>
+
+<file path=ppt/theme/theme2.xml><?xml version="1.0" encoding="utf-8"?>
 <a:theme xmlns:a="http://schemas.openxmlformats.org/drawingml/2006/main" xmlns:r="http://schemas.openxmlformats.org/officeDocument/2006/relationships" name="Paradigm">
   <a:themeElements>
     <a:clrScheme name="Paradigm">
@@ -11754,283 +11973,4 @@
     </a:fmtScheme>
   </a:themeElements>
 </a:theme>
-</file>
-
-<file path=ppt/theme/theme2.xml><?xml version="1.0" encoding="utf-8"?>
-<a:theme xmlns:a="http://schemas.openxmlformats.org/drawingml/2006/main" xmlns:r="http://schemas.openxmlformats.org/officeDocument/2006/relationships">
-  <a:themeElements>
-    <a:clrScheme name="Default">
-      <a:dk1>
-        <a:srgbClr val="000000"/>
-      </a:dk1>
-      <a:lt1>
-        <a:srgbClr val="FFFFFF"/>
-      </a:lt1>
-      <a:dk2>
-        <a:srgbClr val="158158"/>
-      </a:dk2>
-      <a:lt2>
-        <a:srgbClr val="F3F3F3"/>
-      </a:lt2>
-      <a:accent1>
-        <a:srgbClr val="058DC7"/>
-      </a:accent1>
-      <a:accent2>
-        <a:srgbClr val="50B432"/>
-      </a:accent2>
-      <a:accent3>
-        <a:srgbClr val="ED561B"/>
-      </a:accent3>
-      <a:accent4>
-        <a:srgbClr val="EDEF00"/>
-      </a:accent4>
-      <a:accent5>
-        <a:srgbClr val="24CBE5"/>
-      </a:accent5>
-      <a:accent6>
-        <a:srgbClr val="64E572"/>
-      </a:accent6>
-      <a:hlink>
-        <a:srgbClr val="2200CC"/>
-      </a:hlink>
-      <a:folHlink>
-        <a:srgbClr val="551A8B"/>
-      </a:folHlink>
-    </a:clrScheme>
-    <a:fontScheme name="Office">
-      <a:majorFont>
-        <a:latin typeface="Arial"/>
-        <a:ea typeface=""/>
-        <a:cs typeface=""/>
-        <a:font script="Jpan" typeface="ＭＳ Ｐゴシック"/>
-        <a:font script="Hang" typeface="맑은 고딕"/>
-        <a:font script="Hans" typeface="宋体"/>
-        <a:font script="Hant" typeface="新細明體"/>
-        <a:font script="Arab" typeface="Times New Roman"/>
-        <a:font script="Hebr" typeface="Times New Roman"/>
-        <a:font script="Thai" typeface="Angsana New"/>
-        <a:font script="Ethi" typeface="Nyala"/>
-        <a:font script="Beng" typeface="Vrinda"/>
-        <a:font script="Gujr" typeface="Shruti"/>
-        <a:font script="Khmr" typeface="MoolBoran"/>
-        <a:font script="Knda" typeface="Tunga"/>
-        <a:font script="Guru" typeface="Raavi"/>
-        <a:font script="Cans" typeface="Euphemia"/>
-        <a:font script="Cher" typeface="Plantagenet Cherokee"/>
-        <a:font script="Yiii" typeface="Microsoft Yi Baiti"/>
-        <a:font script="Tibt" typeface="Microsoft Himalaya"/>
-        <a:font script="Thaa" typeface="MV Boli"/>
-        <a:font script="Deva" typeface="Mangal"/>
-        <a:font script="Telu" typeface="Gautami"/>
-        <a:font script="Taml" typeface="Latha"/>
-        <a:font script="Syrc" typeface="Estrangelo Edessa"/>
-        <a:font script="Orya" typeface="Kalinga"/>
-        <a:font script="Mlym" typeface="Kartika"/>
-        <a:font script="Laoo" typeface="DokChampa"/>
-        <a:font script="Sinh" typeface="Iskoola Pota"/>
-        <a:font script="Mong" typeface="Mongolian Baiti"/>
-        <a:font script="Viet" typeface="Times New Roman"/>
-        <a:font script="Uigh" typeface="Microsoft Uighur"/>
-        <a:font script="Geor" typeface="Sylfaen"/>
-      </a:majorFont>
-      <a:minorFont>
-        <a:latin typeface="Arial"/>
-        <a:ea typeface=""/>
-        <a:cs typeface=""/>
-        <a:font script="Jpan" typeface="ＭＳ Ｐゴシック"/>
-        <a:font script="Hang" typeface="맑은 고딕"/>
-        <a:font script="Hans" typeface="宋体"/>
-        <a:font script="Hant" typeface="新細明體"/>
-        <a:font script="Arab" typeface="Arial"/>
-        <a:font script="Hebr" typeface="Arial"/>
-        <a:font script="Thai" typeface="Cordia New"/>
-        <a:font script="Ethi" typeface="Nyala"/>
-        <a:font script="Beng" typeface="Vrinda"/>
-        <a:font script="Gujr" typeface="Shruti"/>
-        <a:font script="Khmr" typeface="DaunPenh"/>
-        <a:font script="Knda" typeface="Tunga"/>
-        <a:font script="Guru" typeface="Raavi"/>
-        <a:font script="Cans" typeface="Euphemia"/>
-        <a:font script="Cher" typeface="Plantagenet Cherokee"/>
-        <a:font script="Yiii" typeface="Microsoft Yi Baiti"/>
-        <a:font script="Tibt" typeface="Microsoft Himalaya"/>
-        <a:font script="Thaa" typeface="MV Boli"/>
-        <a:font script="Deva" typeface="Mangal"/>
-        <a:font script="Telu" typeface="Gautami"/>
-        <a:font script="Taml" typeface="Latha"/>
-        <a:font script="Syrc" typeface="Estrangelo Edessa"/>
-        <a:font script="Orya" typeface="Kalinga"/>
-        <a:font script="Mlym" typeface="Kartika"/>
-        <a:font script="Laoo" typeface="DokChampa"/>
-        <a:font script="Sinh" typeface="Iskoola Pota"/>
-        <a:font script="Mong" typeface="Mongolian Baiti"/>
-        <a:font script="Viet" typeface="Arial"/>
-        <a:font script="Uigh" typeface="Microsoft Uighur"/>
-        <a:font script="Geor" typeface="Sylfaen"/>
-      </a:minorFont>
-    </a:fontScheme>
-    <a:fmtScheme name="Office">
-      <a:fillStyleLst>
-        <a:solidFill>
-          <a:schemeClr val="phClr"/>
-        </a:solidFill>
-        <a:gradFill rotWithShape="1">
-          <a:gsLst>
-            <a:gs pos="0">
-              <a:schemeClr val="phClr">
-                <a:tint val="50000"/>
-                <a:satMod val="300000"/>
-              </a:schemeClr>
-            </a:gs>
-            <a:gs pos="35000">
-              <a:schemeClr val="phClr">
-                <a:tint val="37000"/>
-                <a:satMod val="300000"/>
-              </a:schemeClr>
-            </a:gs>
-            <a:gs pos="100000">
-              <a:schemeClr val="phClr">
-                <a:tint val="15000"/>
-                <a:satMod val="350000"/>
-              </a:schemeClr>
-            </a:gs>
-          </a:gsLst>
-          <a:lin ang="16200000" scaled="1"/>
-        </a:gradFill>
-        <a:gradFill rotWithShape="1">
-          <a:gsLst>
-            <a:gs pos="0">
-              <a:schemeClr val="phClr">
-                <a:tint val="100000"/>
-                <a:shade val="100000"/>
-                <a:satMod val="130000"/>
-              </a:schemeClr>
-            </a:gs>
-            <a:gs pos="100000">
-              <a:schemeClr val="phClr">
-                <a:tint val="50000"/>
-                <a:shade val="100000"/>
-                <a:satMod val="350000"/>
-              </a:schemeClr>
-            </a:gs>
-          </a:gsLst>
-          <a:lin ang="16200000" scaled="0"/>
-        </a:gradFill>
-      </a:fillStyleLst>
-      <a:lnStyleLst>
-        <a:ln w="9525" cap="flat" cmpd="sng" algn="ctr">
-          <a:solidFill>
-            <a:schemeClr val="phClr">
-              <a:shade val="95000"/>
-              <a:satMod val="105000"/>
-            </a:schemeClr>
-          </a:solidFill>
-          <a:prstDash val="solid"/>
-        </a:ln>
-        <a:ln w="25400" cap="flat" cmpd="sng" algn="ctr">
-          <a:solidFill>
-            <a:schemeClr val="phClr"/>
-          </a:solidFill>
-          <a:prstDash val="solid"/>
-        </a:ln>
-        <a:ln w="38100" cap="flat" cmpd="sng" algn="ctr">
-          <a:solidFill>
-            <a:schemeClr val="phClr"/>
-          </a:solidFill>
-          <a:prstDash val="solid"/>
-        </a:ln>
-      </a:lnStyleLst>
-      <a:effectStyleLst>
-        <a:effectStyle>
-          <a:effectLst>
-            <a:outerShdw blurRad="40000" dist="20000" dir="5400000" rotWithShape="0">
-              <a:srgbClr val="000000">
-                <a:alpha val="38000"/>
-              </a:srgbClr>
-            </a:outerShdw>
-          </a:effectLst>
-        </a:effectStyle>
-        <a:effectStyle>
-          <a:effectLst>
-            <a:outerShdw blurRad="40000" dist="23000" dir="5400000" rotWithShape="0">
-              <a:srgbClr val="000000">
-                <a:alpha val="35000"/>
-              </a:srgbClr>
-            </a:outerShdw>
-          </a:effectLst>
-        </a:effectStyle>
-        <a:effectStyle>
-          <a:effectLst>
-            <a:outerShdw blurRad="40000" dist="23000" dir="5400000" rotWithShape="0">
-              <a:srgbClr val="000000">
-                <a:alpha val="35000"/>
-              </a:srgbClr>
-            </a:outerShdw>
-          </a:effectLst>
-          <a:scene3d>
-            <a:camera prst="orthographicFront">
-              <a:rot lat="0" lon="0" rev="0"/>
-            </a:camera>
-            <a:lightRig rig="threePt" dir="t">
-              <a:rot lat="0" lon="0" rev="1200000"/>
-            </a:lightRig>
-          </a:scene3d>
-          <a:sp3d>
-            <a:bevelT w="63500" h="25400"/>
-          </a:sp3d>
-        </a:effectStyle>
-      </a:effectStyleLst>
-      <a:bgFillStyleLst>
-        <a:solidFill>
-          <a:schemeClr val="phClr"/>
-        </a:solidFill>
-        <a:gradFill rotWithShape="1">
-          <a:gsLst>
-            <a:gs pos="0">
-              <a:schemeClr val="phClr">
-                <a:tint val="40000"/>
-                <a:satMod val="350000"/>
-              </a:schemeClr>
-            </a:gs>
-            <a:gs pos="40000">
-              <a:schemeClr val="phClr">
-                <a:tint val="45000"/>
-                <a:shade val="99000"/>
-                <a:satMod val="350000"/>
-              </a:schemeClr>
-            </a:gs>
-            <a:gs pos="100000">
-              <a:schemeClr val="phClr">
-                <a:shade val="20000"/>
-                <a:satMod val="255000"/>
-              </a:schemeClr>
-            </a:gs>
-          </a:gsLst>
-          <a:path path="circle">
-            <a:fillToRect l="50000" t="-80000" r="50000" b="180000"/>
-          </a:path>
-        </a:gradFill>
-        <a:gradFill rotWithShape="1">
-          <a:gsLst>
-            <a:gs pos="0">
-              <a:schemeClr val="phClr">
-                <a:tint val="80000"/>
-                <a:satMod val="300000"/>
-              </a:schemeClr>
-            </a:gs>
-            <a:gs pos="100000">
-              <a:schemeClr val="phClr">
-                <a:shade val="30000"/>
-                <a:satMod val="200000"/>
-              </a:schemeClr>
-            </a:gs>
-          </a:gsLst>
-          <a:path path="circle">
-            <a:fillToRect l="50000" t="50000" r="50000" b="50000"/>
-          </a:path>
-        </a:gradFill>
-      </a:bgFillStyleLst>
-    </a:fmtScheme>
-  </a:themeElements>
-</a:theme>
 </file>